--- a/第4章excel/公式和函数/第4章.pptx
+++ b/第4章excel/公式和函数/第4章.pptx
@@ -7,6 +7,7 @@
   <p:sldIdLst>
     <p:sldId id="256" r:id="rId2"/>
     <p:sldId id="257" r:id="rId3"/>
+    <p:sldId id="258" r:id="rId4"/>
   </p:sldIdLst>
   <p:sldSz cx="9144000" cy="6858000" type="screen4x3"/>
   <p:notesSz cx="6858000" cy="9144000"/>
@@ -289,7 +290,7 @@
           <a:p>
             <a:fld id="{530820CF-B880-4189-942D-D702A7CBA730}" type="datetimeFigureOut">
               <a:rPr lang="zh-CN" altLang="en-US" smtClean="0"/>
-              <a:t>2020/5/19</a:t>
+              <a:t>2020/5/24</a:t>
             </a:fld>
             <a:endParaRPr lang="zh-CN" altLang="en-US"/>
           </a:p>
@@ -454,7 +455,7 @@
           <a:p>
             <a:fld id="{530820CF-B880-4189-942D-D702A7CBA730}" type="datetimeFigureOut">
               <a:rPr lang="zh-CN" altLang="en-US" smtClean="0"/>
-              <a:t>2020/5/19</a:t>
+              <a:t>2020/5/24</a:t>
             </a:fld>
             <a:endParaRPr lang="zh-CN" altLang="en-US"/>
           </a:p>
@@ -629,7 +630,7 @@
           <a:p>
             <a:fld id="{530820CF-B880-4189-942D-D702A7CBA730}" type="datetimeFigureOut">
               <a:rPr lang="zh-CN" altLang="en-US" smtClean="0"/>
-              <a:t>2020/5/19</a:t>
+              <a:t>2020/5/24</a:t>
             </a:fld>
             <a:endParaRPr lang="zh-CN" altLang="en-US"/>
           </a:p>
@@ -794,7 +795,7 @@
           <a:p>
             <a:fld id="{530820CF-B880-4189-942D-D702A7CBA730}" type="datetimeFigureOut">
               <a:rPr lang="zh-CN" altLang="en-US" smtClean="0"/>
-              <a:t>2020/5/19</a:t>
+              <a:t>2020/5/24</a:t>
             </a:fld>
             <a:endParaRPr lang="zh-CN" altLang="en-US"/>
           </a:p>
@@ -1035,7 +1036,7 @@
           <a:p>
             <a:fld id="{530820CF-B880-4189-942D-D702A7CBA730}" type="datetimeFigureOut">
               <a:rPr lang="zh-CN" altLang="en-US" smtClean="0"/>
-              <a:t>2020/5/19</a:t>
+              <a:t>2020/5/24</a:t>
             </a:fld>
             <a:endParaRPr lang="zh-CN" altLang="en-US"/>
           </a:p>
@@ -1318,7 +1319,7 @@
           <a:p>
             <a:fld id="{530820CF-B880-4189-942D-D702A7CBA730}" type="datetimeFigureOut">
               <a:rPr lang="zh-CN" altLang="en-US" smtClean="0"/>
-              <a:t>2020/5/19</a:t>
+              <a:t>2020/5/24</a:t>
             </a:fld>
             <a:endParaRPr lang="zh-CN" altLang="en-US"/>
           </a:p>
@@ -1735,7 +1736,7 @@
           <a:p>
             <a:fld id="{530820CF-B880-4189-942D-D702A7CBA730}" type="datetimeFigureOut">
               <a:rPr lang="zh-CN" altLang="en-US" smtClean="0"/>
-              <a:t>2020/5/19</a:t>
+              <a:t>2020/5/24</a:t>
             </a:fld>
             <a:endParaRPr lang="zh-CN" altLang="en-US"/>
           </a:p>
@@ -1848,7 +1849,7 @@
           <a:p>
             <a:fld id="{530820CF-B880-4189-942D-D702A7CBA730}" type="datetimeFigureOut">
               <a:rPr lang="zh-CN" altLang="en-US" smtClean="0"/>
-              <a:t>2020/5/19</a:t>
+              <a:t>2020/5/24</a:t>
             </a:fld>
             <a:endParaRPr lang="zh-CN" altLang="en-US"/>
           </a:p>
@@ -1938,7 +1939,7 @@
           <a:p>
             <a:fld id="{530820CF-B880-4189-942D-D702A7CBA730}" type="datetimeFigureOut">
               <a:rPr lang="zh-CN" altLang="en-US" smtClean="0"/>
-              <a:t>2020/5/19</a:t>
+              <a:t>2020/5/24</a:t>
             </a:fld>
             <a:endParaRPr lang="zh-CN" altLang="en-US"/>
           </a:p>
@@ -2210,7 +2211,7 @@
           <a:p>
             <a:fld id="{530820CF-B880-4189-942D-D702A7CBA730}" type="datetimeFigureOut">
               <a:rPr lang="zh-CN" altLang="en-US" smtClean="0"/>
-              <a:t>2020/5/19</a:t>
+              <a:t>2020/5/24</a:t>
             </a:fld>
             <a:endParaRPr lang="zh-CN" altLang="en-US"/>
           </a:p>
@@ -2458,7 +2459,7 @@
           <a:p>
             <a:fld id="{530820CF-B880-4189-942D-D702A7CBA730}" type="datetimeFigureOut">
               <a:rPr lang="zh-CN" altLang="en-US" smtClean="0"/>
-              <a:t>2020/5/19</a:t>
+              <a:t>2020/5/24</a:t>
             </a:fld>
             <a:endParaRPr lang="zh-CN" altLang="en-US"/>
           </a:p>
@@ -2666,7 +2667,7 @@
           <a:p>
             <a:fld id="{530820CF-B880-4189-942D-D702A7CBA730}" type="datetimeFigureOut">
               <a:rPr lang="zh-CN" altLang="en-US" smtClean="0"/>
-              <a:t>2020/5/19</a:t>
+              <a:t>2020/5/24</a:t>
             </a:fld>
             <a:endParaRPr lang="zh-CN" altLang="en-US"/>
           </a:p>
@@ -3147,17 +3148,6 @@
           <a:p>
             <a:r>
               <a:rPr lang="en-US" altLang="zh-CN" dirty="0" smtClean="0"/>
-              <a:t>Average</a:t>
-            </a:r>
-            <a:r>
-              <a:rPr lang="zh-CN" altLang="en-US" dirty="0" smtClean="0"/>
-              <a:t>：平均数</a:t>
-            </a:r>
-            <a:endParaRPr lang="en-US" altLang="zh-CN" dirty="0" smtClean="0"/>
-          </a:p>
-          <a:p>
-            <a:r>
-              <a:rPr lang="en-US" altLang="zh-CN" dirty="0" smtClean="0"/>
               <a:t>Rank</a:t>
             </a:r>
             <a:r>
@@ -3219,6 +3209,14 @@
             <a:endParaRPr lang="zh-CN" altLang="zh-CN" dirty="0"/>
           </a:p>
           <a:p>
+            <a:r>
+              <a:rPr lang="en-US" altLang="zh-CN" dirty="0" err="1" smtClean="0"/>
+              <a:t>Iferror</a:t>
+            </a:r>
+            <a:r>
+              <a:rPr lang="zh-CN" altLang="en-US" dirty="0" smtClean="0"/>
+              <a:t>：如果错误</a:t>
+            </a:r>
             <a:endParaRPr lang="en-US" altLang="zh-CN" dirty="0" smtClean="0"/>
           </a:p>
         </p:txBody>
@@ -3320,6 +3318,16 @@
             <a:r>
               <a:rPr lang="zh-CN" altLang="en-US" dirty="0"/>
               <a:t>个</a:t>
+            </a:r>
+          </a:p>
+          <a:p>
+            <a:r>
+              <a:rPr lang="en-US" altLang="zh-CN" dirty="0"/>
+              <a:t>Average</a:t>
+            </a:r>
+            <a:r>
+              <a:rPr lang="zh-CN" altLang="en-US" dirty="0"/>
+              <a:t>：平均数</a:t>
             </a:r>
           </a:p>
           <a:p>
@@ -3331,6 +3339,133 @@
     <p:extLst>
       <p:ext uri="{BB962C8B-B14F-4D97-AF65-F5344CB8AC3E}">
         <p14:creationId xmlns:p14="http://schemas.microsoft.com/office/powerpoint/2010/main" val="643586734"/>
+      </p:ext>
+    </p:extLst>
+  </p:cSld>
+  <p:clrMapOvr>
+    <a:masterClrMapping/>
+  </p:clrMapOvr>
+</p:sld>
+</file>
+
+<file path=ppt/slides/slide3.xml><?xml version="1.0" encoding="utf-8"?>
+<p:sld xmlns:a="http://schemas.openxmlformats.org/drawingml/2006/main" xmlns:r="http://schemas.openxmlformats.org/officeDocument/2006/relationships" xmlns:p="http://schemas.openxmlformats.org/presentationml/2006/main">
+  <p:cSld>
+    <p:spTree>
+      <p:nvGrpSpPr>
+        <p:cNvPr id="1" name=""/>
+        <p:cNvGrpSpPr/>
+        <p:nvPr/>
+      </p:nvGrpSpPr>
+      <p:grpSpPr>
+        <a:xfrm>
+          <a:off x="0" y="0"/>
+          <a:ext cx="0" cy="0"/>
+          <a:chOff x="0" y="0"/>
+          <a:chExt cx="0" cy="0"/>
+        </a:xfrm>
+      </p:grpSpPr>
+      <p:sp>
+        <p:nvSpPr>
+          <p:cNvPr id="2" name="标题 1"/>
+          <p:cNvSpPr>
+            <a:spLocks noGrp="1"/>
+          </p:cNvSpPr>
+          <p:nvPr>
+            <p:ph type="title"/>
+          </p:nvPr>
+        </p:nvSpPr>
+        <p:spPr/>
+        <p:txBody>
+          <a:bodyPr/>
+          <a:lstStyle/>
+          <a:p>
+            <a:r>
+              <a:rPr lang="zh-CN" altLang="en-US" dirty="0" smtClean="0"/>
+              <a:t>如何学习一个函数</a:t>
+            </a:r>
+            <a:endParaRPr lang="zh-CN" altLang="en-US" dirty="0"/>
+          </a:p>
+        </p:txBody>
+      </p:sp>
+      <p:sp>
+        <p:nvSpPr>
+          <p:cNvPr id="3" name="内容占位符 2"/>
+          <p:cNvSpPr>
+            <a:spLocks noGrp="1"/>
+          </p:cNvSpPr>
+          <p:nvPr>
+            <p:ph idx="1"/>
+          </p:nvPr>
+        </p:nvSpPr>
+        <p:spPr/>
+        <p:txBody>
+          <a:bodyPr/>
+          <a:lstStyle/>
+          <a:p>
+            <a:r>
+              <a:rPr lang="en-US" altLang="zh-CN" dirty="0" smtClean="0"/>
+              <a:t>1.</a:t>
+            </a:r>
+            <a:r>
+              <a:rPr lang="zh-CN" altLang="en-US" dirty="0"/>
+              <a:t>了解</a:t>
+            </a:r>
+            <a:r>
+              <a:rPr lang="zh-CN" altLang="en-US" dirty="0" smtClean="0"/>
+              <a:t>函数的作用</a:t>
+            </a:r>
+            <a:endParaRPr lang="en-US" altLang="zh-CN" dirty="0" smtClean="0"/>
+          </a:p>
+          <a:p>
+            <a:r>
+              <a:rPr lang="en-US" altLang="zh-CN" dirty="0" smtClean="0"/>
+              <a:t>2.</a:t>
+            </a:r>
+            <a:r>
+              <a:rPr lang="zh-CN" altLang="en-US" dirty="0" smtClean="0"/>
+              <a:t>参数</a:t>
+            </a:r>
+            <a:endParaRPr lang="en-US" altLang="zh-CN" dirty="0" smtClean="0"/>
+          </a:p>
+          <a:p>
+            <a:pPr lvl="1"/>
+            <a:r>
+              <a:rPr lang="zh-CN" altLang="en-US" dirty="0" smtClean="0"/>
+              <a:t>参数的个数</a:t>
+            </a:r>
+            <a:endParaRPr lang="en-US" altLang="zh-CN" dirty="0" smtClean="0"/>
+          </a:p>
+          <a:p>
+            <a:pPr lvl="1"/>
+            <a:r>
+              <a:rPr lang="zh-CN" altLang="en-US" dirty="0" smtClean="0"/>
+              <a:t>参数的格式以及作用</a:t>
+            </a:r>
+            <a:endParaRPr lang="en-US" altLang="zh-CN" dirty="0" smtClean="0"/>
+          </a:p>
+          <a:p>
+            <a:pPr lvl="1"/>
+            <a:r>
+              <a:rPr lang="zh-CN" altLang="en-US" dirty="0" smtClean="0"/>
+              <a:t>单元格引用、数字、文本、</a:t>
+            </a:r>
+            <a:r>
+              <a:rPr lang="en-US" altLang="zh-CN" dirty="0" smtClean="0"/>
+              <a:t>true/false</a:t>
+            </a:r>
+            <a:r>
+              <a:rPr lang="zh-CN" altLang="en-US" dirty="0" smtClean="0"/>
+              <a:t>、其他函数</a:t>
+            </a:r>
+            <a:endParaRPr lang="zh-CN" altLang="en-US" dirty="0"/>
+          </a:p>
+        </p:txBody>
+      </p:sp>
+    </p:spTree>
+    <p:extLst>
+      <p:ext uri="{BB962C8B-B14F-4D97-AF65-F5344CB8AC3E}">
+        <p14:creationId xmlns:p14="http://schemas.microsoft.com/office/powerpoint/2010/main" val="803700405"/>
       </p:ext>
     </p:extLst>
   </p:cSld>

--- a/第4章excel/公式和函数/第4章.pptx
+++ b/第4章excel/公式和函数/第4章.pptx
@@ -3432,7 +3432,11 @@
             <a:pPr lvl="1"/>
             <a:r>
               <a:rPr lang="zh-CN" altLang="en-US" dirty="0" smtClean="0"/>
-              <a:t>参数的个数</a:t>
+              <a:t>参数的</a:t>
+            </a:r>
+            <a:r>
+              <a:rPr lang="zh-CN" altLang="en-US" dirty="0" smtClean="0"/>
+              <a:t>个数、作用</a:t>
             </a:r>
             <a:endParaRPr lang="en-US" altLang="zh-CN" dirty="0" smtClean="0"/>
           </a:p>
@@ -3440,7 +3444,11 @@
             <a:pPr lvl="1"/>
             <a:r>
               <a:rPr lang="zh-CN" altLang="en-US" dirty="0" smtClean="0"/>
-              <a:t>参数的格式以及作用</a:t>
+              <a:t>参数的</a:t>
+            </a:r>
+            <a:r>
+              <a:rPr lang="zh-CN" altLang="en-US" dirty="0" smtClean="0"/>
+              <a:t>格式</a:t>
             </a:r>
             <a:endParaRPr lang="en-US" altLang="zh-CN" dirty="0" smtClean="0"/>
           </a:p>
@@ -3448,7 +3456,19 @@
             <a:pPr lvl="1"/>
             <a:r>
               <a:rPr lang="zh-CN" altLang="en-US" dirty="0" smtClean="0"/>
-              <a:t>单元格引用、数字、文本、</a:t>
+              <a:t>单元格引用、</a:t>
+            </a:r>
+            <a:r>
+              <a:rPr lang="zh-CN" altLang="en-US" smtClean="0"/>
+              <a:t>数字</a:t>
+            </a:r>
+            <a:r>
+              <a:rPr lang="zh-CN" altLang="en-US" smtClean="0"/>
+              <a:t>、数组、文本</a:t>
+            </a:r>
+            <a:r>
+              <a:rPr lang="zh-CN" altLang="en-US" dirty="0" smtClean="0"/>
+              <a:t>、</a:t>
             </a:r>
             <a:r>
               <a:rPr lang="en-US" altLang="zh-CN" dirty="0" smtClean="0"/>

--- a/第4章excel/公式和函数/第4章.pptx
+++ b/第4章excel/公式和函数/第4章.pptx
@@ -8,6 +8,7 @@
     <p:sldId id="256" r:id="rId2"/>
     <p:sldId id="257" r:id="rId3"/>
     <p:sldId id="258" r:id="rId4"/>
+    <p:sldId id="259" r:id="rId5"/>
   </p:sldIdLst>
   <p:sldSz cx="9144000" cy="6858000" type="screen4x3"/>
   <p:notesSz cx="6858000" cy="9144000"/>
@@ -290,7 +291,7 @@
           <a:p>
             <a:fld id="{530820CF-B880-4189-942D-D702A7CBA730}" type="datetimeFigureOut">
               <a:rPr lang="zh-CN" altLang="en-US" smtClean="0"/>
-              <a:t>2020/5/24</a:t>
+              <a:t>2020/5/26</a:t>
             </a:fld>
             <a:endParaRPr lang="zh-CN" altLang="en-US"/>
           </a:p>
@@ -455,7 +456,7 @@
           <a:p>
             <a:fld id="{530820CF-B880-4189-942D-D702A7CBA730}" type="datetimeFigureOut">
               <a:rPr lang="zh-CN" altLang="en-US" smtClean="0"/>
-              <a:t>2020/5/24</a:t>
+              <a:t>2020/5/26</a:t>
             </a:fld>
             <a:endParaRPr lang="zh-CN" altLang="en-US"/>
           </a:p>
@@ -630,7 +631,7 @@
           <a:p>
             <a:fld id="{530820CF-B880-4189-942D-D702A7CBA730}" type="datetimeFigureOut">
               <a:rPr lang="zh-CN" altLang="en-US" smtClean="0"/>
-              <a:t>2020/5/24</a:t>
+              <a:t>2020/5/26</a:t>
             </a:fld>
             <a:endParaRPr lang="zh-CN" altLang="en-US"/>
           </a:p>
@@ -795,7 +796,7 @@
           <a:p>
             <a:fld id="{530820CF-B880-4189-942D-D702A7CBA730}" type="datetimeFigureOut">
               <a:rPr lang="zh-CN" altLang="en-US" smtClean="0"/>
-              <a:t>2020/5/24</a:t>
+              <a:t>2020/5/26</a:t>
             </a:fld>
             <a:endParaRPr lang="zh-CN" altLang="en-US"/>
           </a:p>
@@ -1036,7 +1037,7 @@
           <a:p>
             <a:fld id="{530820CF-B880-4189-942D-D702A7CBA730}" type="datetimeFigureOut">
               <a:rPr lang="zh-CN" altLang="en-US" smtClean="0"/>
-              <a:t>2020/5/24</a:t>
+              <a:t>2020/5/26</a:t>
             </a:fld>
             <a:endParaRPr lang="zh-CN" altLang="en-US"/>
           </a:p>
@@ -1319,7 +1320,7 @@
           <a:p>
             <a:fld id="{530820CF-B880-4189-942D-D702A7CBA730}" type="datetimeFigureOut">
               <a:rPr lang="zh-CN" altLang="en-US" smtClean="0"/>
-              <a:t>2020/5/24</a:t>
+              <a:t>2020/5/26</a:t>
             </a:fld>
             <a:endParaRPr lang="zh-CN" altLang="en-US"/>
           </a:p>
@@ -1736,7 +1737,7 @@
           <a:p>
             <a:fld id="{530820CF-B880-4189-942D-D702A7CBA730}" type="datetimeFigureOut">
               <a:rPr lang="zh-CN" altLang="en-US" smtClean="0"/>
-              <a:t>2020/5/24</a:t>
+              <a:t>2020/5/26</a:t>
             </a:fld>
             <a:endParaRPr lang="zh-CN" altLang="en-US"/>
           </a:p>
@@ -1849,7 +1850,7 @@
           <a:p>
             <a:fld id="{530820CF-B880-4189-942D-D702A7CBA730}" type="datetimeFigureOut">
               <a:rPr lang="zh-CN" altLang="en-US" smtClean="0"/>
-              <a:t>2020/5/24</a:t>
+              <a:t>2020/5/26</a:t>
             </a:fld>
             <a:endParaRPr lang="zh-CN" altLang="en-US"/>
           </a:p>
@@ -1939,7 +1940,7 @@
           <a:p>
             <a:fld id="{530820CF-B880-4189-942D-D702A7CBA730}" type="datetimeFigureOut">
               <a:rPr lang="zh-CN" altLang="en-US" smtClean="0"/>
-              <a:t>2020/5/24</a:t>
+              <a:t>2020/5/26</a:t>
             </a:fld>
             <a:endParaRPr lang="zh-CN" altLang="en-US"/>
           </a:p>
@@ -2211,7 +2212,7 @@
           <a:p>
             <a:fld id="{530820CF-B880-4189-942D-D702A7CBA730}" type="datetimeFigureOut">
               <a:rPr lang="zh-CN" altLang="en-US" smtClean="0"/>
-              <a:t>2020/5/24</a:t>
+              <a:t>2020/5/26</a:t>
             </a:fld>
             <a:endParaRPr lang="zh-CN" altLang="en-US"/>
           </a:p>
@@ -2459,7 +2460,7 @@
           <a:p>
             <a:fld id="{530820CF-B880-4189-942D-D702A7CBA730}" type="datetimeFigureOut">
               <a:rPr lang="zh-CN" altLang="en-US" smtClean="0"/>
-              <a:t>2020/5/24</a:t>
+              <a:t>2020/5/26</a:t>
             </a:fld>
             <a:endParaRPr lang="zh-CN" altLang="en-US"/>
           </a:p>
@@ -2667,7 +2668,7 @@
           <a:p>
             <a:fld id="{530820CF-B880-4189-942D-D702A7CBA730}" type="datetimeFigureOut">
               <a:rPr lang="zh-CN" altLang="en-US" smtClean="0"/>
-              <a:t>2020/5/24</a:t>
+              <a:t>2020/5/26</a:t>
             </a:fld>
             <a:endParaRPr lang="zh-CN" altLang="en-US"/>
           </a:p>
@@ -3432,23 +3433,15 @@
             <a:pPr lvl="1"/>
             <a:r>
               <a:rPr lang="zh-CN" altLang="en-US" dirty="0" smtClean="0"/>
-              <a:t>参数的</a:t>
-            </a:r>
+              <a:t>参数的个数、作用</a:t>
+            </a:r>
+            <a:endParaRPr lang="en-US" altLang="zh-CN" dirty="0" smtClean="0"/>
+          </a:p>
+          <a:p>
+            <a:pPr lvl="1"/>
             <a:r>
               <a:rPr lang="zh-CN" altLang="en-US" dirty="0" smtClean="0"/>
-              <a:t>个数、作用</a:t>
-            </a:r>
-            <a:endParaRPr lang="en-US" altLang="zh-CN" dirty="0" smtClean="0"/>
-          </a:p>
-          <a:p>
-            <a:pPr lvl="1"/>
-            <a:r>
-              <a:rPr lang="zh-CN" altLang="en-US" dirty="0" smtClean="0"/>
-              <a:t>参数的</a:t>
-            </a:r>
-            <a:r>
-              <a:rPr lang="zh-CN" altLang="en-US" dirty="0" smtClean="0"/>
-              <a:t>格式</a:t>
+              <a:t>参数的格式</a:t>
             </a:r>
             <a:endParaRPr lang="en-US" altLang="zh-CN" dirty="0" smtClean="0"/>
           </a:p>
@@ -3460,11 +3453,7 @@
             </a:r>
             <a:r>
               <a:rPr lang="zh-CN" altLang="en-US" smtClean="0"/>
-              <a:t>数字</a:t>
-            </a:r>
-            <a:r>
-              <a:rPr lang="zh-CN" altLang="en-US" smtClean="0"/>
-              <a:t>、数组、文本</a:t>
+              <a:t>数字、数组、文本</a:t>
             </a:r>
             <a:r>
               <a:rPr lang="zh-CN" altLang="en-US" dirty="0" smtClean="0"/>
@@ -3486,6 +3475,165 @@
     <p:extLst>
       <p:ext uri="{BB962C8B-B14F-4D97-AF65-F5344CB8AC3E}">
         <p14:creationId xmlns:p14="http://schemas.microsoft.com/office/powerpoint/2010/main" val="803700405"/>
+      </p:ext>
+    </p:extLst>
+  </p:cSld>
+  <p:clrMapOvr>
+    <a:masterClrMapping/>
+  </p:clrMapOvr>
+</p:sld>
+</file>
+
+<file path=ppt/slides/slide4.xml><?xml version="1.0" encoding="utf-8"?>
+<p:sld xmlns:a="http://schemas.openxmlformats.org/drawingml/2006/main" xmlns:r="http://schemas.openxmlformats.org/officeDocument/2006/relationships" xmlns:p="http://schemas.openxmlformats.org/presentationml/2006/main">
+  <p:cSld>
+    <p:spTree>
+      <p:nvGrpSpPr>
+        <p:cNvPr id="1" name=""/>
+        <p:cNvGrpSpPr/>
+        <p:nvPr/>
+      </p:nvGrpSpPr>
+      <p:grpSpPr>
+        <a:xfrm>
+          <a:off x="0" y="0"/>
+          <a:ext cx="0" cy="0"/>
+          <a:chOff x="0" y="0"/>
+          <a:chExt cx="0" cy="0"/>
+        </a:xfrm>
+      </p:grpSpPr>
+      <p:sp>
+        <p:nvSpPr>
+          <p:cNvPr id="2" name="标题 1"/>
+          <p:cNvSpPr>
+            <a:spLocks noGrp="1"/>
+          </p:cNvSpPr>
+          <p:nvPr>
+            <p:ph type="title"/>
+          </p:nvPr>
+        </p:nvSpPr>
+        <p:spPr/>
+        <p:txBody>
+          <a:bodyPr/>
+          <a:lstStyle/>
+          <a:p>
+            <a:r>
+              <a:rPr lang="en-US" altLang="zh-CN" dirty="0" err="1" smtClean="0"/>
+              <a:t>Vlookup</a:t>
+            </a:r>
+            <a:r>
+              <a:rPr lang="zh-CN" altLang="en-US" smtClean="0"/>
+              <a:t>说明</a:t>
+            </a:r>
+            <a:endParaRPr lang="zh-CN" altLang="en-US" dirty="0"/>
+          </a:p>
+        </p:txBody>
+      </p:sp>
+      <p:sp>
+        <p:nvSpPr>
+          <p:cNvPr id="3" name="内容占位符 2"/>
+          <p:cNvSpPr>
+            <a:spLocks noGrp="1"/>
+          </p:cNvSpPr>
+          <p:nvPr>
+            <p:ph idx="1"/>
+          </p:nvPr>
+        </p:nvSpPr>
+        <p:spPr/>
+        <p:txBody>
+          <a:bodyPr/>
+          <a:lstStyle/>
+          <a:p>
+            <a:pPr lvl="0"/>
+            <a:r>
+              <a:rPr lang="en-US" altLang="zh-CN" dirty="0" err="1"/>
+              <a:t>Vlookup</a:t>
+            </a:r>
+            <a:r>
+              <a:rPr lang="zh-CN" altLang="zh-CN" dirty="0"/>
+              <a:t>返回第一个找到的</a:t>
+            </a:r>
+            <a:r>
+              <a:rPr lang="zh-CN" altLang="zh-CN" dirty="0" smtClean="0"/>
+              <a:t>值</a:t>
+            </a:r>
+            <a:endParaRPr lang="en-US" altLang="zh-CN" dirty="0" smtClean="0"/>
+          </a:p>
+          <a:p>
+            <a:pPr lvl="0"/>
+            <a:r>
+              <a:rPr lang="zh-CN" altLang="zh-CN" dirty="0" smtClean="0"/>
+              <a:t>第</a:t>
+            </a:r>
+            <a:r>
+              <a:rPr lang="en-US" altLang="zh-CN" dirty="0"/>
+              <a:t>4</a:t>
+            </a:r>
+            <a:r>
+              <a:rPr lang="zh-CN" altLang="zh-CN" dirty="0"/>
+              <a:t>个参数为</a:t>
+            </a:r>
+            <a:r>
+              <a:rPr lang="en-US" altLang="zh-CN" dirty="0"/>
+              <a:t>0</a:t>
+            </a:r>
+            <a:r>
+              <a:rPr lang="zh-CN" altLang="zh-CN" dirty="0"/>
+              <a:t>或</a:t>
+            </a:r>
+            <a:r>
+              <a:rPr lang="en-US" altLang="zh-CN" dirty="0"/>
+              <a:t>false</a:t>
+            </a:r>
+            <a:r>
+              <a:rPr lang="zh-CN" altLang="zh-CN" dirty="0"/>
+              <a:t>时，必须完全相等，否则返回</a:t>
+            </a:r>
+            <a:r>
+              <a:rPr lang="en-US" altLang="zh-CN" dirty="0"/>
+              <a:t>#N/A</a:t>
+            </a:r>
+            <a:endParaRPr lang="zh-CN" altLang="zh-CN" dirty="0"/>
+          </a:p>
+          <a:p>
+            <a:pPr lvl="0"/>
+            <a:r>
+              <a:rPr lang="zh-CN" altLang="zh-CN" dirty="0"/>
+              <a:t>第</a:t>
+            </a:r>
+            <a:r>
+              <a:rPr lang="en-US" altLang="zh-CN" dirty="0"/>
+              <a:t>4</a:t>
+            </a:r>
+            <a:r>
+              <a:rPr lang="zh-CN" altLang="zh-CN" dirty="0"/>
+              <a:t>个参数为</a:t>
+            </a:r>
+            <a:r>
+              <a:rPr lang="en-US" altLang="zh-CN" dirty="0"/>
+              <a:t>True</a:t>
+            </a:r>
+            <a:r>
+              <a:rPr lang="zh-CN" altLang="zh-CN" dirty="0"/>
+              <a:t>或省略时，如果没有完全相同的值，返回第一个比它小的值，没有返回</a:t>
+            </a:r>
+            <a:r>
+              <a:rPr lang="en-US" altLang="zh-CN" dirty="0"/>
+              <a:t>#N/A</a:t>
+            </a:r>
+            <a:r>
+              <a:rPr lang="zh-CN" altLang="zh-CN" dirty="0"/>
+              <a:t>，所以必须先排序</a:t>
+            </a:r>
+          </a:p>
+          <a:p>
+            <a:endParaRPr lang="zh-CN" altLang="en-US" dirty="0"/>
+          </a:p>
+        </p:txBody>
+      </p:sp>
+    </p:spTree>
+    <p:extLst>
+      <p:ext uri="{BB962C8B-B14F-4D97-AF65-F5344CB8AC3E}">
+        <p14:creationId xmlns:p14="http://schemas.microsoft.com/office/powerpoint/2010/main" val="890957124"/>
       </p:ext>
     </p:extLst>
   </p:cSld>

--- a/第4章excel/公式和函数/第4章.pptx
+++ b/第4章excel/公式和函数/第4章.pptx
@@ -3540,7 +3540,9 @@
         </p:nvSpPr>
         <p:spPr/>
         <p:txBody>
-          <a:bodyPr/>
+          <a:bodyPr>
+            <a:normAutofit/>
+          </a:bodyPr>
           <a:lstStyle/>
           <a:p>
             <a:pPr lvl="0"/>
@@ -3550,11 +3552,58 @@
             </a:r>
             <a:r>
               <a:rPr lang="zh-CN" altLang="zh-CN" dirty="0"/>
-              <a:t>返回第一个找到的</a:t>
+              <a:t>返回</a:t>
+            </a:r>
+            <a:r>
+              <a:rPr lang="zh-CN" altLang="zh-CN" dirty="0" smtClean="0"/>
+              <a:t>第</a:t>
+            </a:r>
+            <a:r>
+              <a:rPr lang="en-US" altLang="zh-CN" dirty="0" smtClean="0"/>
+              <a:t>1</a:t>
+            </a:r>
+            <a:r>
+              <a:rPr lang="zh-CN" altLang="zh-CN" dirty="0" smtClean="0"/>
+              <a:t>个</a:t>
+            </a:r>
+            <a:r>
+              <a:rPr lang="zh-CN" altLang="zh-CN" dirty="0"/>
+              <a:t>找到的</a:t>
             </a:r>
             <a:r>
               <a:rPr lang="zh-CN" altLang="zh-CN" dirty="0" smtClean="0"/>
               <a:t>值</a:t>
+            </a:r>
+            <a:endParaRPr lang="en-US" altLang="zh-CN" dirty="0" smtClean="0"/>
+          </a:p>
+          <a:p>
+            <a:r>
+              <a:rPr lang="zh-CN" altLang="en-US" dirty="0" smtClean="0"/>
+              <a:t>如果第</a:t>
+            </a:r>
+            <a:r>
+              <a:rPr lang="en-US" altLang="zh-CN" dirty="0" smtClean="0"/>
+              <a:t>1</a:t>
+            </a:r>
+            <a:r>
+              <a:rPr lang="zh-CN" altLang="en-US" dirty="0" smtClean="0"/>
+              <a:t>个参数不在第</a:t>
+            </a:r>
+            <a:r>
+              <a:rPr lang="en-US" altLang="zh-CN" dirty="0" smtClean="0"/>
+              <a:t>2</a:t>
+            </a:r>
+            <a:r>
+              <a:rPr lang="zh-CN" altLang="en-US" dirty="0" smtClean="0"/>
+              <a:t>个参数中，则返回</a:t>
+            </a:r>
+            <a:r>
+              <a:rPr lang="en-US" altLang="zh-CN" dirty="0"/>
+              <a:t>#</a:t>
+            </a:r>
+            <a:r>
+              <a:rPr lang="en-US" altLang="zh-CN" dirty="0" smtClean="0"/>
+              <a:t>N/A</a:t>
             </a:r>
             <a:endParaRPr lang="en-US" altLang="zh-CN" dirty="0" smtClean="0"/>
           </a:p>

--- a/第4章excel/公式和函数/第4章.pptx
+++ b/第4章excel/公式和函数/第4章.pptx
@@ -9,6 +9,7 @@
     <p:sldId id="257" r:id="rId3"/>
     <p:sldId id="258" r:id="rId4"/>
     <p:sldId id="259" r:id="rId5"/>
+    <p:sldId id="260" r:id="rId6"/>
   </p:sldIdLst>
   <p:sldSz cx="9144000" cy="6858000" type="screen4x3"/>
   <p:notesSz cx="6858000" cy="9144000"/>
@@ -291,7 +292,7 @@
           <a:p>
             <a:fld id="{530820CF-B880-4189-942D-D702A7CBA730}" type="datetimeFigureOut">
               <a:rPr lang="zh-CN" altLang="en-US" smtClean="0"/>
-              <a:t>2020/5/26</a:t>
+              <a:t>2020/5/28</a:t>
             </a:fld>
             <a:endParaRPr lang="zh-CN" altLang="en-US"/>
           </a:p>
@@ -456,7 +457,7 @@
           <a:p>
             <a:fld id="{530820CF-B880-4189-942D-D702A7CBA730}" type="datetimeFigureOut">
               <a:rPr lang="zh-CN" altLang="en-US" smtClean="0"/>
-              <a:t>2020/5/26</a:t>
+              <a:t>2020/5/28</a:t>
             </a:fld>
             <a:endParaRPr lang="zh-CN" altLang="en-US"/>
           </a:p>
@@ -631,7 +632,7 @@
           <a:p>
             <a:fld id="{530820CF-B880-4189-942D-D702A7CBA730}" type="datetimeFigureOut">
               <a:rPr lang="zh-CN" altLang="en-US" smtClean="0"/>
-              <a:t>2020/5/26</a:t>
+              <a:t>2020/5/28</a:t>
             </a:fld>
             <a:endParaRPr lang="zh-CN" altLang="en-US"/>
           </a:p>
@@ -796,7 +797,7 @@
           <a:p>
             <a:fld id="{530820CF-B880-4189-942D-D702A7CBA730}" type="datetimeFigureOut">
               <a:rPr lang="zh-CN" altLang="en-US" smtClean="0"/>
-              <a:t>2020/5/26</a:t>
+              <a:t>2020/5/28</a:t>
             </a:fld>
             <a:endParaRPr lang="zh-CN" altLang="en-US"/>
           </a:p>
@@ -1037,7 +1038,7 @@
           <a:p>
             <a:fld id="{530820CF-B880-4189-942D-D702A7CBA730}" type="datetimeFigureOut">
               <a:rPr lang="zh-CN" altLang="en-US" smtClean="0"/>
-              <a:t>2020/5/26</a:t>
+              <a:t>2020/5/28</a:t>
             </a:fld>
             <a:endParaRPr lang="zh-CN" altLang="en-US"/>
           </a:p>
@@ -1320,7 +1321,7 @@
           <a:p>
             <a:fld id="{530820CF-B880-4189-942D-D702A7CBA730}" type="datetimeFigureOut">
               <a:rPr lang="zh-CN" altLang="en-US" smtClean="0"/>
-              <a:t>2020/5/26</a:t>
+              <a:t>2020/5/28</a:t>
             </a:fld>
             <a:endParaRPr lang="zh-CN" altLang="en-US"/>
           </a:p>
@@ -1737,7 +1738,7 @@
           <a:p>
             <a:fld id="{530820CF-B880-4189-942D-D702A7CBA730}" type="datetimeFigureOut">
               <a:rPr lang="zh-CN" altLang="en-US" smtClean="0"/>
-              <a:t>2020/5/26</a:t>
+              <a:t>2020/5/28</a:t>
             </a:fld>
             <a:endParaRPr lang="zh-CN" altLang="en-US"/>
           </a:p>
@@ -1850,7 +1851,7 @@
           <a:p>
             <a:fld id="{530820CF-B880-4189-942D-D702A7CBA730}" type="datetimeFigureOut">
               <a:rPr lang="zh-CN" altLang="en-US" smtClean="0"/>
-              <a:t>2020/5/26</a:t>
+              <a:t>2020/5/28</a:t>
             </a:fld>
             <a:endParaRPr lang="zh-CN" altLang="en-US"/>
           </a:p>
@@ -1940,7 +1941,7 @@
           <a:p>
             <a:fld id="{530820CF-B880-4189-942D-D702A7CBA730}" type="datetimeFigureOut">
               <a:rPr lang="zh-CN" altLang="en-US" smtClean="0"/>
-              <a:t>2020/5/26</a:t>
+              <a:t>2020/5/28</a:t>
             </a:fld>
             <a:endParaRPr lang="zh-CN" altLang="en-US"/>
           </a:p>
@@ -2212,7 +2213,7 @@
           <a:p>
             <a:fld id="{530820CF-B880-4189-942D-D702A7CBA730}" type="datetimeFigureOut">
               <a:rPr lang="zh-CN" altLang="en-US" smtClean="0"/>
-              <a:t>2020/5/26</a:t>
+              <a:t>2020/5/28</a:t>
             </a:fld>
             <a:endParaRPr lang="zh-CN" altLang="en-US"/>
           </a:p>
@@ -2460,7 +2461,7 @@
           <a:p>
             <a:fld id="{530820CF-B880-4189-942D-D702A7CBA730}" type="datetimeFigureOut">
               <a:rPr lang="zh-CN" altLang="en-US" smtClean="0"/>
-              <a:t>2020/5/26</a:t>
+              <a:t>2020/5/28</a:t>
             </a:fld>
             <a:endParaRPr lang="zh-CN" altLang="en-US"/>
           </a:p>
@@ -2668,7 +2669,7 @@
           <a:p>
             <a:fld id="{530820CF-B880-4189-942D-D702A7CBA730}" type="datetimeFigureOut">
               <a:rPr lang="zh-CN" altLang="en-US" smtClean="0"/>
-              <a:t>2020/5/26</a:t>
+              <a:t>2020/5/28</a:t>
             </a:fld>
             <a:endParaRPr lang="zh-CN" altLang="en-US"/>
           </a:p>
@@ -3605,7 +3606,6 @@
               <a:rPr lang="en-US" altLang="zh-CN" dirty="0" smtClean="0"/>
               <a:t>N/A</a:t>
             </a:r>
-            <a:endParaRPr lang="en-US" altLang="zh-CN" dirty="0" smtClean="0"/>
           </a:p>
           <a:p>
             <a:pPr lvl="0"/>
@@ -3683,6 +3683,125 @@
     <p:extLst>
       <p:ext uri="{BB962C8B-B14F-4D97-AF65-F5344CB8AC3E}">
         <p14:creationId xmlns:p14="http://schemas.microsoft.com/office/powerpoint/2010/main" val="890957124"/>
+      </p:ext>
+    </p:extLst>
+  </p:cSld>
+  <p:clrMapOvr>
+    <a:masterClrMapping/>
+  </p:clrMapOvr>
+</p:sld>
+</file>
+
+<file path=ppt/slides/slide5.xml><?xml version="1.0" encoding="utf-8"?>
+<p:sld xmlns:a="http://schemas.openxmlformats.org/drawingml/2006/main" xmlns:r="http://schemas.openxmlformats.org/officeDocument/2006/relationships" xmlns:p="http://schemas.openxmlformats.org/presentationml/2006/main">
+  <p:cSld>
+    <p:spTree>
+      <p:nvGrpSpPr>
+        <p:cNvPr id="1" name=""/>
+        <p:cNvGrpSpPr/>
+        <p:nvPr/>
+      </p:nvGrpSpPr>
+      <p:grpSpPr>
+        <a:xfrm>
+          <a:off x="0" y="0"/>
+          <a:ext cx="0" cy="0"/>
+          <a:chOff x="0" y="0"/>
+          <a:chExt cx="0" cy="0"/>
+        </a:xfrm>
+      </p:grpSpPr>
+      <p:sp>
+        <p:nvSpPr>
+          <p:cNvPr id="2" name="标题 1"/>
+          <p:cNvSpPr>
+            <a:spLocks noGrp="1"/>
+          </p:cNvSpPr>
+          <p:nvPr>
+            <p:ph type="title"/>
+          </p:nvPr>
+        </p:nvSpPr>
+        <p:spPr/>
+        <p:txBody>
+          <a:bodyPr/>
+          <a:lstStyle/>
+          <a:p>
+            <a:r>
+              <a:rPr lang="zh-CN" altLang="en-US" dirty="0" smtClean="0"/>
+              <a:t>出错信息</a:t>
+            </a:r>
+            <a:endParaRPr lang="zh-CN" altLang="en-US" dirty="0"/>
+          </a:p>
+        </p:txBody>
+      </p:sp>
+      <p:pic>
+        <p:nvPicPr>
+          <p:cNvPr id="1026" name="Picture 2"/>
+          <p:cNvPicPr>
+            <a:picLocks noGrp="1" noChangeAspect="1" noChangeArrowheads="1"/>
+          </p:cNvPicPr>
+          <p:nvPr>
+            <p:ph idx="1"/>
+          </p:nvPr>
+        </p:nvPicPr>
+        <p:blipFill>
+          <a:blip r:embed="rId2">
+            <a:extLst>
+              <a:ext uri="{28A0092B-C50C-407E-A947-70E740481C1C}">
+                <a14:useLocalDpi xmlns:a14="http://schemas.microsoft.com/office/drawing/2010/main" val="0"/>
+              </a:ext>
+            </a:extLst>
+          </a:blip>
+          <a:srcRect/>
+          <a:stretch>
+            <a:fillRect/>
+          </a:stretch>
+        </p:blipFill>
+        <p:spPr bwMode="auto">
+          <a:xfrm>
+            <a:off x="457200" y="1880806"/>
+            <a:ext cx="8229600" cy="3964751"/>
+          </a:xfrm>
+          <a:prstGeom prst="rect">
+            <a:avLst/>
+          </a:prstGeom>
+          <a:noFill/>
+          <a:ln>
+            <a:noFill/>
+          </a:ln>
+          <a:effectLst/>
+          <a:extLst>
+            <a:ext uri="{909E8E84-426E-40DD-AFC4-6F175D3DCCD1}">
+              <a14:hiddenFill xmlns:a14="http://schemas.microsoft.com/office/drawing/2010/main">
+                <a:solidFill>
+                  <a:schemeClr val="accent1"/>
+                </a:solidFill>
+              </a14:hiddenFill>
+            </a:ext>
+            <a:ext uri="{91240B29-F687-4F45-9708-019B960494DF}">
+              <a14:hiddenLine xmlns:a14="http://schemas.microsoft.com/office/drawing/2010/main" w="9525">
+                <a:solidFill>
+                  <a:schemeClr val="tx1"/>
+                </a:solidFill>
+                <a:miter lim="800000"/>
+                <a:headEnd/>
+                <a:tailEnd/>
+              </a14:hiddenLine>
+            </a:ext>
+            <a:ext uri="{AF507438-7753-43E0-B8FC-AC1667EBCBE1}">
+              <a14:hiddenEffects xmlns:a14="http://schemas.microsoft.com/office/drawing/2010/main">
+                <a:effectLst>
+                  <a:outerShdw dist="35921" dir="2700000" algn="ctr" rotWithShape="0">
+                    <a:schemeClr val="bg2"/>
+                  </a:outerShdw>
+                </a:effectLst>
+              </a14:hiddenEffects>
+            </a:ext>
+          </a:extLst>
+        </p:spPr>
+      </p:pic>
+    </p:spTree>
+    <p:extLst>
+      <p:ext uri="{BB962C8B-B14F-4D97-AF65-F5344CB8AC3E}">
+        <p14:creationId xmlns:p14="http://schemas.microsoft.com/office/powerpoint/2010/main" val="4125183833"/>
       </p:ext>
     </p:extLst>
   </p:cSld>
